--- a/Apresentacao/YUUMI.pptx
+++ b/Apresentacao/YUUMI.pptx
@@ -6,14 +6,14 @@
   </p:sldMasterIdLst>
   <p:sldIdLst>
     <p:sldId id="256" r:id="rId2"/>
-    <p:sldId id="262" r:id="rId3"/>
-    <p:sldId id="261" r:id="rId4"/>
+    <p:sldId id="261" r:id="rId3"/>
+    <p:sldId id="262" r:id="rId4"/>
     <p:sldId id="258" r:id="rId5"/>
     <p:sldId id="257" r:id="rId6"/>
-    <p:sldId id="263" r:id="rId7"/>
-    <p:sldId id="259" r:id="rId8"/>
-    <p:sldId id="260" r:id="rId9"/>
-    <p:sldId id="264" r:id="rId10"/>
+    <p:sldId id="259" r:id="rId7"/>
+    <p:sldId id="260" r:id="rId8"/>
+    <p:sldId id="264" r:id="rId9"/>
+    <p:sldId id="265" r:id="rId10"/>
   </p:sldIdLst>
   <p:sldSz cx="12192000" cy="6858000"/>
   <p:notesSz cx="6858000" cy="9144000"/>
@@ -112,7 +112,133 @@
       </a:defRPr>
     </a:lvl9pPr>
   </p:defaultTextStyle>
+  <p:extLst>
+    <p:ext uri="{EFAFB233-063F-42B5-8137-9DF3F51BA10A}">
+      <p15:sldGuideLst xmlns:p15="http://schemas.microsoft.com/office/powerpoint/2012/main"/>
+    </p:ext>
+  </p:extLst>
 </p:presentation>
+</file>
+
+<file path=ppt/revisionInfo.xml><?xml version="1.0" encoding="utf-8"?>
+<p1510:revInfo xmlns:a="http://schemas.openxmlformats.org/drawingml/2006/main" xmlns:r="http://schemas.openxmlformats.org/officeDocument/2006/relationships" xmlns:p1510="http://schemas.microsoft.com/office/powerpoint/2015/10/main">
+  <p1510:revLst>
+    <p1510:client id="{6A12487B-DBC5-4199-A0BF-BDF585D91777}" v="4" dt="2021-05-31T23:47:46.958"/>
+  </p1510:revLst>
+</p1510:revInfo>
+</file>
+
+<file path=ppt/changesInfos/changesInfo1.xml><?xml version="1.0" encoding="utf-8"?>
+<pc:chgInfo xmlns:a="http://schemas.openxmlformats.org/drawingml/2006/main" xmlns:r="http://schemas.openxmlformats.org/officeDocument/2006/relationships" xmlns:ac="http://schemas.microsoft.com/office/drawing/2013/main/command" xmlns:pc="http://schemas.microsoft.com/office/powerpoint/2013/main/command">
+  <pc:docChgLst>
+    <pc:chgData name="Giovanna Melo" userId="96d8cb575939bb1d" providerId="LiveId" clId="{6A12487B-DBC5-4199-A0BF-BDF585D91777}"/>
+    <pc:docChg chg="custSel addSld delSld modSld sldOrd">
+      <pc:chgData name="Giovanna Melo" userId="96d8cb575939bb1d" providerId="LiveId" clId="{6A12487B-DBC5-4199-A0BF-BDF585D91777}" dt="2021-05-31T23:48:47.055" v="977" actId="20577"/>
+      <pc:docMkLst>
+        <pc:docMk/>
+      </pc:docMkLst>
+      <pc:sldChg chg="modSp mod">
+        <pc:chgData name="Giovanna Melo" userId="96d8cb575939bb1d" providerId="LiveId" clId="{6A12487B-DBC5-4199-A0BF-BDF585D91777}" dt="2021-05-31T21:26:58.563" v="917" actId="1076"/>
+        <pc:sldMkLst>
+          <pc:docMk/>
+          <pc:sldMk cId="3352394668" sldId="261"/>
+        </pc:sldMkLst>
+        <pc:spChg chg="mod">
+          <ac:chgData name="Giovanna Melo" userId="96d8cb575939bb1d" providerId="LiveId" clId="{6A12487B-DBC5-4199-A0BF-BDF585D91777}" dt="2021-05-31T21:26:58.563" v="917" actId="1076"/>
+          <ac:spMkLst>
+            <pc:docMk/>
+            <pc:sldMk cId="3352394668" sldId="261"/>
+            <ac:spMk id="9" creationId="{D3D6FBFF-A8BC-4742-BD53-282B4C3747E3}"/>
+          </ac:spMkLst>
+        </pc:spChg>
+      </pc:sldChg>
+      <pc:sldChg chg="ord">
+        <pc:chgData name="Giovanna Melo" userId="96d8cb575939bb1d" providerId="LiveId" clId="{6A12487B-DBC5-4199-A0BF-BDF585D91777}" dt="2021-05-31T16:51:28.144" v="1"/>
+        <pc:sldMkLst>
+          <pc:docMk/>
+          <pc:sldMk cId="3569995890" sldId="262"/>
+        </pc:sldMkLst>
+      </pc:sldChg>
+      <pc:sldChg chg="del">
+        <pc:chgData name="Giovanna Melo" userId="96d8cb575939bb1d" providerId="LiveId" clId="{6A12487B-DBC5-4199-A0BF-BDF585D91777}" dt="2021-05-31T17:25:05.261" v="2" actId="47"/>
+        <pc:sldMkLst>
+          <pc:docMk/>
+          <pc:sldMk cId="4069559284" sldId="263"/>
+        </pc:sldMkLst>
+      </pc:sldChg>
+      <pc:sldChg chg="addSp delSp modSp mod">
+        <pc:chgData name="Giovanna Melo" userId="96d8cb575939bb1d" providerId="LiveId" clId="{6A12487B-DBC5-4199-A0BF-BDF585D91777}" dt="2021-05-31T23:48:47.055" v="977" actId="20577"/>
+        <pc:sldMkLst>
+          <pc:docMk/>
+          <pc:sldMk cId="3394106649" sldId="264"/>
+        </pc:sldMkLst>
+        <pc:spChg chg="mod">
+          <ac:chgData name="Giovanna Melo" userId="96d8cb575939bb1d" providerId="LiveId" clId="{6A12487B-DBC5-4199-A0BF-BDF585D91777}" dt="2021-05-31T23:48:27.393" v="951" actId="20577"/>
+          <ac:spMkLst>
+            <pc:docMk/>
+            <pc:sldMk cId="3394106649" sldId="264"/>
+            <ac:spMk id="2" creationId="{F81BD1AA-FB73-4DAC-A45C-4077D0509F1D}"/>
+          </ac:spMkLst>
+        </pc:spChg>
+        <pc:spChg chg="add del mod">
+          <ac:chgData name="Giovanna Melo" userId="96d8cb575939bb1d" providerId="LiveId" clId="{6A12487B-DBC5-4199-A0BF-BDF585D91777}" dt="2021-05-31T23:47:34.720" v="918" actId="478"/>
+          <ac:spMkLst>
+            <pc:docMk/>
+            <pc:sldMk cId="3394106649" sldId="264"/>
+            <ac:spMk id="4" creationId="{83D300ED-7370-4FA8-8247-8775BFEECF7B}"/>
+          </ac:spMkLst>
+        </pc:spChg>
+        <pc:spChg chg="add mod">
+          <ac:chgData name="Giovanna Melo" userId="96d8cb575939bb1d" providerId="LiveId" clId="{6A12487B-DBC5-4199-A0BF-BDF585D91777}" dt="2021-05-31T23:48:38.384" v="961" actId="20577"/>
+          <ac:spMkLst>
+            <pc:docMk/>
+            <pc:sldMk cId="3394106649" sldId="264"/>
+            <ac:spMk id="7" creationId="{B34DE191-DF23-4929-B725-A634D137D213}"/>
+          </ac:spMkLst>
+        </pc:spChg>
+        <pc:spChg chg="add mod">
+          <ac:chgData name="Giovanna Melo" userId="96d8cb575939bb1d" providerId="LiveId" clId="{6A12487B-DBC5-4199-A0BF-BDF585D91777}" dt="2021-05-31T23:48:47.055" v="977" actId="20577"/>
+          <ac:spMkLst>
+            <pc:docMk/>
+            <pc:sldMk cId="3394106649" sldId="264"/>
+            <ac:spMk id="8" creationId="{7050A4E5-6057-42EF-9540-7AFF948C2164}"/>
+          </ac:spMkLst>
+        </pc:spChg>
+        <pc:picChg chg="add del mod">
+          <ac:chgData name="Giovanna Melo" userId="96d8cb575939bb1d" providerId="LiveId" clId="{6A12487B-DBC5-4199-A0BF-BDF585D91777}" dt="2021-05-31T18:44:33.001" v="374" actId="478"/>
+          <ac:picMkLst>
+            <pc:docMk/>
+            <pc:sldMk cId="3394106649" sldId="264"/>
+            <ac:picMk id="6" creationId="{A4C6880D-9202-41F9-90DA-6BD6F05CF837}"/>
+          </ac:picMkLst>
+        </pc:picChg>
+      </pc:sldChg>
+      <pc:sldChg chg="delSp modSp add mod">
+        <pc:chgData name="Giovanna Melo" userId="96d8cb575939bb1d" providerId="LiveId" clId="{6A12487B-DBC5-4199-A0BF-BDF585D91777}" dt="2021-05-31T23:48:15.604" v="929" actId="478"/>
+        <pc:sldMkLst>
+          <pc:docMk/>
+          <pc:sldMk cId="1013885698" sldId="265"/>
+        </pc:sldMkLst>
+        <pc:spChg chg="del mod">
+          <ac:chgData name="Giovanna Melo" userId="96d8cb575939bb1d" providerId="LiveId" clId="{6A12487B-DBC5-4199-A0BF-BDF585D91777}" dt="2021-05-31T23:48:15.604" v="929" actId="478"/>
+          <ac:spMkLst>
+            <pc:docMk/>
+            <pc:sldMk cId="1013885698" sldId="265"/>
+            <ac:spMk id="2" creationId="{F81BD1AA-FB73-4DAC-A45C-4077D0509F1D}"/>
+          </ac:spMkLst>
+        </pc:spChg>
+        <pc:spChg chg="mod">
+          <ac:chgData name="Giovanna Melo" userId="96d8cb575939bb1d" providerId="LiveId" clId="{6A12487B-DBC5-4199-A0BF-BDF585D91777}" dt="2021-05-31T23:48:11.241" v="927" actId="1076"/>
+          <ac:spMkLst>
+            <pc:docMk/>
+            <pc:sldMk cId="1013885698" sldId="265"/>
+            <ac:spMk id="4" creationId="{83D300ED-7370-4FA8-8247-8775BFEECF7B}"/>
+          </ac:spMkLst>
+        </pc:spChg>
+      </pc:sldChg>
+    </pc:docChg>
+  </pc:docChgLst>
+</pc:chgInfo>
 </file>
 
 <file path=ppt/slideLayouts/slideLayout1.xml><?xml version="1.0" encoding="utf-8"?>
@@ -3428,657 +3554,6 @@
 <file path=ppt/slides/slide2.xml><?xml version="1.0" encoding="utf-8"?>
 <p:sld xmlns:a="http://schemas.openxmlformats.org/drawingml/2006/main" xmlns:r="http://schemas.openxmlformats.org/officeDocument/2006/relationships" xmlns:p="http://schemas.openxmlformats.org/presentationml/2006/main">
   <p:cSld>
-    <p:spTree>
-      <p:nvGrpSpPr>
-        <p:cNvPr id="1" name=""/>
-        <p:cNvGrpSpPr/>
-        <p:nvPr/>
-      </p:nvGrpSpPr>
-      <p:grpSpPr>
-        <a:xfrm>
-          <a:off x="0" y="0"/>
-          <a:ext cx="0" cy="0"/>
-          <a:chOff x="0" y="0"/>
-          <a:chExt cx="0" cy="0"/>
-        </a:xfrm>
-      </p:grpSpPr>
-      <p:pic>
-        <p:nvPicPr>
-          <p:cNvPr id="2" name="Imagem 1" descr="Desenho de uma flor&#10;&#10;Descrição gerada automaticamente com confiança média">
-            <a:extLst>
-              <a:ext uri="{FF2B5EF4-FFF2-40B4-BE49-F238E27FC236}">
-                <a16:creationId xmlns:a16="http://schemas.microsoft.com/office/drawing/2014/main" id="{F4F51BB6-11DB-4553-8166-C31920B15385}"/>
-              </a:ext>
-            </a:extLst>
-          </p:cNvPr>
-          <p:cNvPicPr>
-            <a:picLocks noChangeAspect="1"/>
-          </p:cNvPicPr>
-          <p:nvPr/>
-        </p:nvPicPr>
-        <p:blipFill>
-          <a:blip r:embed="rId2">
-            <a:extLst>
-              <a:ext uri="{28A0092B-C50C-407E-A947-70E740481C1C}">
-                <a14:useLocalDpi xmlns:a14="http://schemas.microsoft.com/office/drawing/2010/main" val="0"/>
-              </a:ext>
-            </a:extLst>
-          </a:blip>
-          <a:stretch>
-            <a:fillRect/>
-          </a:stretch>
-        </p:blipFill>
-        <p:spPr>
-          <a:xfrm>
-            <a:off x="1355860" y="1464130"/>
-            <a:ext cx="3616509" cy="3616509"/>
-          </a:xfrm>
-          <a:prstGeom prst="rect">
-            <a:avLst/>
-          </a:prstGeom>
-        </p:spPr>
-      </p:pic>
-      <p:cxnSp>
-        <p:nvCxnSpPr>
-          <p:cNvPr id="4" name="Conector de Seta Reta 3">
-            <a:extLst>
-              <a:ext uri="{FF2B5EF4-FFF2-40B4-BE49-F238E27FC236}">
-                <a16:creationId xmlns:a16="http://schemas.microsoft.com/office/drawing/2014/main" id="{472D992E-8AE6-44D5-AEE2-9609BEB733D2}"/>
-              </a:ext>
-            </a:extLst>
-          </p:cNvPr>
-          <p:cNvCxnSpPr>
-            <a:cxnSpLocks/>
-          </p:cNvCxnSpPr>
-          <p:nvPr/>
-        </p:nvCxnSpPr>
-        <p:spPr>
-          <a:xfrm>
-            <a:off x="4826000" y="2194711"/>
-            <a:ext cx="1901371" cy="0"/>
-          </a:xfrm>
-          <a:prstGeom prst="straightConnector1">
-            <a:avLst/>
-          </a:prstGeom>
-          <a:ln w="15875">
-            <a:solidFill>
-              <a:srgbClr val="D87501"/>
-            </a:solidFill>
-            <a:tailEnd type="triangle"/>
-          </a:ln>
-        </p:spPr>
-        <p:style>
-          <a:lnRef idx="1">
-            <a:schemeClr val="accent1"/>
-          </a:lnRef>
-          <a:fillRef idx="0">
-            <a:schemeClr val="accent1"/>
-          </a:fillRef>
-          <a:effectRef idx="0">
-            <a:schemeClr val="accent1"/>
-          </a:effectRef>
-          <a:fontRef idx="minor">
-            <a:schemeClr val="tx1"/>
-          </a:fontRef>
-        </p:style>
-      </p:cxnSp>
-      <p:sp>
-        <p:nvSpPr>
-          <p:cNvPr id="6" name="Elipse 5">
-            <a:extLst>
-              <a:ext uri="{FF2B5EF4-FFF2-40B4-BE49-F238E27FC236}">
-                <a16:creationId xmlns:a16="http://schemas.microsoft.com/office/drawing/2014/main" id="{52C910EC-73E6-461A-AB27-B5B57FBADB5C}"/>
-              </a:ext>
-            </a:extLst>
-          </p:cNvPr>
-          <p:cNvSpPr/>
-          <p:nvPr/>
-        </p:nvSpPr>
-        <p:spPr>
-          <a:xfrm>
-            <a:off x="4383315" y="4082143"/>
-            <a:ext cx="1016000" cy="986969"/>
-          </a:xfrm>
-          <a:prstGeom prst="ellipse">
-            <a:avLst/>
-          </a:prstGeom>
-          <a:solidFill>
-            <a:srgbClr val="D87501"/>
-          </a:solidFill>
-          <a:ln>
-            <a:solidFill>
-              <a:srgbClr val="D87501"/>
-            </a:solidFill>
-          </a:ln>
-        </p:spPr>
-        <p:style>
-          <a:lnRef idx="2">
-            <a:schemeClr val="accent1">
-              <a:shade val="50000"/>
-            </a:schemeClr>
-          </a:lnRef>
-          <a:fillRef idx="1">
-            <a:schemeClr val="accent1"/>
-          </a:fillRef>
-          <a:effectRef idx="0">
-            <a:schemeClr val="accent1"/>
-          </a:effectRef>
-          <a:fontRef idx="minor">
-            <a:schemeClr val="lt1"/>
-          </a:fontRef>
-        </p:style>
-        <p:txBody>
-          <a:bodyPr rtlCol="0" anchor="ctr"/>
-          <a:lstStyle/>
-          <a:p>
-            <a:pPr algn="ctr"/>
-            <a:endParaRPr lang="pt-BR"/>
-          </a:p>
-        </p:txBody>
-      </p:sp>
-      <p:sp>
-        <p:nvSpPr>
-          <p:cNvPr id="7" name="Elipse 6">
-            <a:extLst>
-              <a:ext uri="{FF2B5EF4-FFF2-40B4-BE49-F238E27FC236}">
-                <a16:creationId xmlns:a16="http://schemas.microsoft.com/office/drawing/2014/main" id="{B7F2D0EA-9CD7-4982-8D5C-961D22257BC2}"/>
-              </a:ext>
-            </a:extLst>
-          </p:cNvPr>
-          <p:cNvSpPr/>
-          <p:nvPr/>
-        </p:nvSpPr>
-        <p:spPr>
-          <a:xfrm>
-            <a:off x="4361317" y="5405397"/>
-            <a:ext cx="1016000" cy="986969"/>
-          </a:xfrm>
-          <a:prstGeom prst="ellipse">
-            <a:avLst/>
-          </a:prstGeom>
-          <a:solidFill>
-            <a:srgbClr val="FFC13C"/>
-          </a:solidFill>
-          <a:ln>
-            <a:solidFill>
-              <a:srgbClr val="FFC13C"/>
-            </a:solidFill>
-          </a:ln>
-        </p:spPr>
-        <p:style>
-          <a:lnRef idx="2">
-            <a:schemeClr val="accent1">
-              <a:shade val="50000"/>
-            </a:schemeClr>
-          </a:lnRef>
-          <a:fillRef idx="1">
-            <a:schemeClr val="accent1"/>
-          </a:fillRef>
-          <a:effectRef idx="0">
-            <a:schemeClr val="accent1"/>
-          </a:effectRef>
-          <a:fontRef idx="minor">
-            <a:schemeClr val="lt1"/>
-          </a:fontRef>
-        </p:style>
-        <p:txBody>
-          <a:bodyPr rtlCol="0" anchor="ctr"/>
-          <a:lstStyle/>
-          <a:p>
-            <a:pPr algn="ctr"/>
-            <a:endParaRPr lang="pt-BR"/>
-          </a:p>
-        </p:txBody>
-      </p:sp>
-      <p:sp>
-        <p:nvSpPr>
-          <p:cNvPr id="8" name="Retângulo: Cantos Arredondados 7">
-            <a:extLst>
-              <a:ext uri="{FF2B5EF4-FFF2-40B4-BE49-F238E27FC236}">
-                <a16:creationId xmlns:a16="http://schemas.microsoft.com/office/drawing/2014/main" id="{B7650F14-BCFE-415F-BBEA-657453F9A016}"/>
-              </a:ext>
-            </a:extLst>
-          </p:cNvPr>
-          <p:cNvSpPr/>
-          <p:nvPr/>
-        </p:nvSpPr>
-        <p:spPr>
-          <a:xfrm>
-            <a:off x="3657600" y="544287"/>
-            <a:ext cx="5399314" cy="595086"/>
-          </a:xfrm>
-          <a:prstGeom prst="roundRect">
-            <a:avLst/>
-          </a:prstGeom>
-          <a:solidFill>
-            <a:srgbClr val="D87501"/>
-          </a:solidFill>
-          <a:ln>
-            <a:solidFill>
-              <a:schemeClr val="bg1"/>
-            </a:solidFill>
-          </a:ln>
-        </p:spPr>
-        <p:style>
-          <a:lnRef idx="2">
-            <a:schemeClr val="accent1">
-              <a:shade val="50000"/>
-            </a:schemeClr>
-          </a:lnRef>
-          <a:fillRef idx="1">
-            <a:schemeClr val="accent1"/>
-          </a:fillRef>
-          <a:effectRef idx="0">
-            <a:schemeClr val="accent1"/>
-          </a:effectRef>
-          <a:fontRef idx="minor">
-            <a:schemeClr val="lt1"/>
-          </a:fontRef>
-        </p:style>
-        <p:txBody>
-          <a:bodyPr rtlCol="0" anchor="ctr"/>
-          <a:lstStyle/>
-          <a:p>
-            <a:pPr algn="ctr"/>
-            <a:r>
-              <a:rPr lang="pt-BR" sz="2600" b="1" dirty="0">
-                <a:solidFill>
-                  <a:schemeClr val="bg1"/>
-                </a:solidFill>
-              </a:rPr>
-              <a:t>IDENTIDADE VISUAL</a:t>
-            </a:r>
-          </a:p>
-        </p:txBody>
-      </p:sp>
-      <p:sp>
-        <p:nvSpPr>
-          <p:cNvPr id="10" name="CaixaDeTexto 9">
-            <a:extLst>
-              <a:ext uri="{FF2B5EF4-FFF2-40B4-BE49-F238E27FC236}">
-                <a16:creationId xmlns:a16="http://schemas.microsoft.com/office/drawing/2014/main" id="{B1A76901-01B9-420B-8708-D6325F045FB3}"/>
-              </a:ext>
-            </a:extLst>
-          </p:cNvPr>
-          <p:cNvSpPr txBox="1"/>
-          <p:nvPr/>
-        </p:nvSpPr>
-        <p:spPr>
-          <a:xfrm>
-            <a:off x="7300687" y="1793597"/>
-            <a:ext cx="3947886" cy="707886"/>
-          </a:xfrm>
-          <a:prstGeom prst="rect">
-            <a:avLst/>
-          </a:prstGeom>
-          <a:noFill/>
-        </p:spPr>
-        <p:txBody>
-          <a:bodyPr wrap="square">
-            <a:spAutoFit/>
-          </a:bodyPr>
-          <a:lstStyle/>
-          <a:p>
-            <a:pPr algn="l" fontAlgn="base"/>
-            <a:r>
-              <a:rPr lang="pt-BR" sz="2000" b="0" i="0" dirty="0">
-                <a:solidFill>
-                  <a:schemeClr val="accent2"/>
-                </a:solidFill>
-                <a:effectLst/>
-                <a:latin typeface="inherit"/>
-              </a:rPr>
-              <a:t>Resistir às provações da vida cotidiana</a:t>
-            </a:r>
-          </a:p>
-        </p:txBody>
-      </p:sp>
-      <p:sp>
-        <p:nvSpPr>
-          <p:cNvPr id="12" name="CaixaDeTexto 11">
-            <a:extLst>
-              <a:ext uri="{FF2B5EF4-FFF2-40B4-BE49-F238E27FC236}">
-                <a16:creationId xmlns:a16="http://schemas.microsoft.com/office/drawing/2014/main" id="{4F357796-0534-4601-84A1-E855B717A146}"/>
-              </a:ext>
-            </a:extLst>
-          </p:cNvPr>
-          <p:cNvSpPr txBox="1"/>
-          <p:nvPr/>
-        </p:nvSpPr>
-        <p:spPr>
-          <a:xfrm>
-            <a:off x="7300687" y="2613352"/>
-            <a:ext cx="4188599" cy="1015663"/>
-          </a:xfrm>
-          <a:prstGeom prst="rect">
-            <a:avLst/>
-          </a:prstGeom>
-          <a:noFill/>
-        </p:spPr>
-        <p:txBody>
-          <a:bodyPr wrap="square">
-            <a:spAutoFit/>
-          </a:bodyPr>
-          <a:lstStyle/>
-          <a:p>
-            <a:pPr algn="just" fontAlgn="base"/>
-            <a:r>
-              <a:rPr lang="pt-BR" sz="2000" b="0" i="0" dirty="0">
-                <a:solidFill>
-                  <a:schemeClr val="accent2"/>
-                </a:solidFill>
-                <a:effectLst/>
-                <a:latin typeface="inherit"/>
-              </a:rPr>
-              <a:t>Seguir seus sonhos e alcançar suas aspirações, tanto em um sentido material quanto espiritual.</a:t>
-            </a:r>
-          </a:p>
-        </p:txBody>
-      </p:sp>
-      <p:cxnSp>
-        <p:nvCxnSpPr>
-          <p:cNvPr id="13" name="Conector de Seta Reta 12">
-            <a:extLst>
-              <a:ext uri="{FF2B5EF4-FFF2-40B4-BE49-F238E27FC236}">
-                <a16:creationId xmlns:a16="http://schemas.microsoft.com/office/drawing/2014/main" id="{08683A47-2E59-47F5-8306-FE240F349726}"/>
-              </a:ext>
-            </a:extLst>
-          </p:cNvPr>
-          <p:cNvCxnSpPr>
-            <a:cxnSpLocks/>
-          </p:cNvCxnSpPr>
-          <p:nvPr/>
-        </p:nvCxnSpPr>
-        <p:spPr>
-          <a:xfrm>
-            <a:off x="5638800" y="4575627"/>
-            <a:ext cx="1901371" cy="0"/>
-          </a:xfrm>
-          <a:prstGeom prst="straightConnector1">
-            <a:avLst/>
-          </a:prstGeom>
-          <a:ln w="15875">
-            <a:solidFill>
-              <a:srgbClr val="D87501"/>
-            </a:solidFill>
-            <a:tailEnd type="triangle"/>
-          </a:ln>
-        </p:spPr>
-        <p:style>
-          <a:lnRef idx="1">
-            <a:schemeClr val="accent1"/>
-          </a:lnRef>
-          <a:fillRef idx="0">
-            <a:schemeClr val="accent1"/>
-          </a:fillRef>
-          <a:effectRef idx="0">
-            <a:schemeClr val="accent1"/>
-          </a:effectRef>
-          <a:fontRef idx="minor">
-            <a:schemeClr val="tx1"/>
-          </a:fontRef>
-        </p:style>
-      </p:cxnSp>
-      <p:sp>
-        <p:nvSpPr>
-          <p:cNvPr id="15" name="CaixaDeTexto 14">
-            <a:extLst>
-              <a:ext uri="{FF2B5EF4-FFF2-40B4-BE49-F238E27FC236}">
-                <a16:creationId xmlns:a16="http://schemas.microsoft.com/office/drawing/2014/main" id="{D9086EF6-7028-4252-B80D-DE26BD9CDBA4}"/>
-              </a:ext>
-            </a:extLst>
-          </p:cNvPr>
-          <p:cNvSpPr txBox="1"/>
-          <p:nvPr/>
-        </p:nvSpPr>
-        <p:spPr>
-          <a:xfrm>
-            <a:off x="7837717" y="4037018"/>
-            <a:ext cx="4020454" cy="1200329"/>
-          </a:xfrm>
-          <a:prstGeom prst="rect">
-            <a:avLst/>
-          </a:prstGeom>
-          <a:noFill/>
-        </p:spPr>
-        <p:txBody>
-          <a:bodyPr wrap="square">
-            <a:spAutoFit/>
-          </a:bodyPr>
-          <a:lstStyle/>
-          <a:p>
-            <a:pPr algn="just"/>
-            <a:r>
-              <a:rPr lang="pt-BR" i="0" dirty="0">
-                <a:solidFill>
-                  <a:schemeClr val="accent2"/>
-                </a:solidFill>
-                <a:effectLst/>
-                <a:latin typeface="inherit"/>
-              </a:rPr>
-              <a:t>A </a:t>
-            </a:r>
-            <a:r>
-              <a:rPr lang="pt-BR" b="1" i="0" dirty="0">
-                <a:solidFill>
-                  <a:schemeClr val="accent2"/>
-                </a:solidFill>
-                <a:effectLst/>
-                <a:latin typeface="inherit"/>
-              </a:rPr>
-              <a:t>cor laranja</a:t>
-            </a:r>
-            <a:r>
-              <a:rPr lang="pt-BR" i="0" dirty="0">
-                <a:solidFill>
-                  <a:schemeClr val="accent2"/>
-                </a:solidFill>
-                <a:effectLst/>
-                <a:latin typeface="inherit"/>
-              </a:rPr>
-              <a:t> traz força, coragem, determinação e ousadia, tirando a gente do estado de medo e covardia. A cor estimula também a criatividade</a:t>
-            </a:r>
-            <a:endParaRPr lang="pt-BR" dirty="0">
-              <a:solidFill>
-                <a:schemeClr val="accent2"/>
-              </a:solidFill>
-              <a:latin typeface="inherit"/>
-            </a:endParaRPr>
-          </a:p>
-        </p:txBody>
-      </p:sp>
-      <p:cxnSp>
-        <p:nvCxnSpPr>
-          <p:cNvPr id="16" name="Conector de Seta Reta 15">
-            <a:extLst>
-              <a:ext uri="{FF2B5EF4-FFF2-40B4-BE49-F238E27FC236}">
-                <a16:creationId xmlns:a16="http://schemas.microsoft.com/office/drawing/2014/main" id="{7B91A3EC-AA3C-4BBB-B460-218FE5C0BC4A}"/>
-              </a:ext>
-            </a:extLst>
-          </p:cNvPr>
-          <p:cNvCxnSpPr>
-            <a:cxnSpLocks/>
-          </p:cNvCxnSpPr>
-          <p:nvPr/>
-        </p:nvCxnSpPr>
-        <p:spPr>
-          <a:xfrm>
-            <a:off x="5776686" y="5918199"/>
-            <a:ext cx="1901371" cy="0"/>
-          </a:xfrm>
-          <a:prstGeom prst="straightConnector1">
-            <a:avLst/>
-          </a:prstGeom>
-          <a:ln w="15875">
-            <a:solidFill>
-              <a:srgbClr val="D87501"/>
-            </a:solidFill>
-            <a:tailEnd type="triangle"/>
-          </a:ln>
-        </p:spPr>
-        <p:style>
-          <a:lnRef idx="1">
-            <a:schemeClr val="accent1"/>
-          </a:lnRef>
-          <a:fillRef idx="0">
-            <a:schemeClr val="accent1"/>
-          </a:fillRef>
-          <a:effectRef idx="0">
-            <a:schemeClr val="accent1"/>
-          </a:effectRef>
-          <a:fontRef idx="minor">
-            <a:schemeClr val="tx1"/>
-          </a:fontRef>
-        </p:style>
-      </p:cxnSp>
-      <p:sp>
-        <p:nvSpPr>
-          <p:cNvPr id="17" name="CaixaDeTexto 16">
-            <a:extLst>
-              <a:ext uri="{FF2B5EF4-FFF2-40B4-BE49-F238E27FC236}">
-                <a16:creationId xmlns:a16="http://schemas.microsoft.com/office/drawing/2014/main" id="{97CCC116-B5EF-465D-BD14-F39DA01D6AB6}"/>
-              </a:ext>
-            </a:extLst>
-          </p:cNvPr>
-          <p:cNvSpPr txBox="1"/>
-          <p:nvPr/>
-        </p:nvSpPr>
-        <p:spPr>
-          <a:xfrm>
-            <a:off x="7837717" y="5405397"/>
-            <a:ext cx="4020454" cy="1200329"/>
-          </a:xfrm>
-          <a:prstGeom prst="rect">
-            <a:avLst/>
-          </a:prstGeom>
-          <a:noFill/>
-        </p:spPr>
-        <p:txBody>
-          <a:bodyPr wrap="square">
-            <a:spAutoFit/>
-          </a:bodyPr>
-          <a:lstStyle/>
-          <a:p>
-            <a:pPr algn="just"/>
-            <a:r>
-              <a:rPr lang="pt-BR" i="0" dirty="0">
-                <a:solidFill>
-                  <a:schemeClr val="accent2"/>
-                </a:solidFill>
-                <a:effectLst/>
-                <a:latin typeface="inherit"/>
-              </a:rPr>
-              <a:t>A</a:t>
-            </a:r>
-            <a:r>
-              <a:rPr lang="pt-BR" b="1" i="0" dirty="0">
-                <a:solidFill>
-                  <a:schemeClr val="accent2"/>
-                </a:solidFill>
-                <a:effectLst/>
-                <a:latin typeface="inherit"/>
-              </a:rPr>
-              <a:t> cor amarela</a:t>
-            </a:r>
-            <a:r>
-              <a:rPr lang="pt-BR" b="0" i="0" dirty="0">
-                <a:solidFill>
-                  <a:schemeClr val="accent2"/>
-                </a:solidFill>
-                <a:effectLst/>
-                <a:latin typeface="inherit"/>
-              </a:rPr>
-              <a:t> significa </a:t>
-            </a:r>
-            <a:r>
-              <a:rPr lang="pt-BR" i="0" dirty="0">
-                <a:solidFill>
-                  <a:schemeClr val="accent2"/>
-                </a:solidFill>
-                <a:effectLst/>
-                <a:latin typeface="inherit"/>
-              </a:rPr>
-              <a:t>luz, calor</a:t>
-            </a:r>
-            <a:r>
-              <a:rPr lang="pt-BR" b="0" i="0" dirty="0">
-                <a:solidFill>
-                  <a:schemeClr val="accent2"/>
-                </a:solidFill>
-                <a:effectLst/>
-                <a:latin typeface="inherit"/>
-              </a:rPr>
-              <a:t>, descontração, otimismo e alegria que desperta a criatividade. Estimula as atividades mentais e o raciocínio.</a:t>
-            </a:r>
-            <a:endParaRPr lang="pt-BR" dirty="0">
-              <a:solidFill>
-                <a:schemeClr val="accent2"/>
-              </a:solidFill>
-              <a:latin typeface="inherit"/>
-            </a:endParaRPr>
-          </a:p>
-        </p:txBody>
-      </p:sp>
-      <p:cxnSp>
-        <p:nvCxnSpPr>
-          <p:cNvPr id="18" name="Conector de Seta Reta 17">
-            <a:extLst>
-              <a:ext uri="{FF2B5EF4-FFF2-40B4-BE49-F238E27FC236}">
-                <a16:creationId xmlns:a16="http://schemas.microsoft.com/office/drawing/2014/main" id="{57A2088A-B3EF-493A-A144-044C3DE1183B}"/>
-              </a:ext>
-            </a:extLst>
-          </p:cNvPr>
-          <p:cNvCxnSpPr>
-            <a:cxnSpLocks/>
-          </p:cNvCxnSpPr>
-          <p:nvPr/>
-        </p:nvCxnSpPr>
-        <p:spPr>
-          <a:xfrm>
-            <a:off x="4891315" y="3029894"/>
-            <a:ext cx="1901371" cy="0"/>
-          </a:xfrm>
-          <a:prstGeom prst="straightConnector1">
-            <a:avLst/>
-          </a:prstGeom>
-          <a:ln w="15875">
-            <a:solidFill>
-              <a:srgbClr val="D87501"/>
-            </a:solidFill>
-            <a:tailEnd type="triangle"/>
-          </a:ln>
-        </p:spPr>
-        <p:style>
-          <a:lnRef idx="1">
-            <a:schemeClr val="accent1"/>
-          </a:lnRef>
-          <a:fillRef idx="0">
-            <a:schemeClr val="accent1"/>
-          </a:fillRef>
-          <a:effectRef idx="0">
-            <a:schemeClr val="accent1"/>
-          </a:effectRef>
-          <a:fontRef idx="minor">
-            <a:schemeClr val="tx1"/>
-          </a:fontRef>
-        </p:style>
-      </p:cxnSp>
-    </p:spTree>
-    <p:extLst>
-      <p:ext uri="{BB962C8B-B14F-4D97-AF65-F5344CB8AC3E}">
-        <p14:creationId xmlns:p14="http://schemas.microsoft.com/office/powerpoint/2010/main" val="3569995890"/>
-      </p:ext>
-    </p:extLst>
-  </p:cSld>
-  <p:clrMapOvr>
-    <a:masterClrMapping/>
-  </p:clrMapOvr>
-</p:sld>
-</file>
-
-<file path=ppt/slides/slide3.xml><?xml version="1.0" encoding="utf-8"?>
-<p:sld xmlns:a="http://schemas.openxmlformats.org/drawingml/2006/main" xmlns:r="http://schemas.openxmlformats.org/officeDocument/2006/relationships" xmlns:p="http://schemas.openxmlformats.org/presentationml/2006/main">
-  <p:cSld>
     <p:bg>
       <p:bgPr>
         <a:solidFill>
@@ -4248,8 +3723,8 @@
         </p:nvSpPr>
         <p:spPr>
           <a:xfrm>
-            <a:off x="833453" y="2345146"/>
-            <a:ext cx="6682437" cy="3139321"/>
+            <a:off x="833453" y="2012637"/>
+            <a:ext cx="6682437" cy="4154984"/>
           </a:xfrm>
           <a:prstGeom prst="rect">
             <a:avLst/>
@@ -4285,7 +3760,18 @@
                   <a:schemeClr val="bg1"/>
                 </a:solidFill>
               </a:rPr>
-              <a:t> por meus croquis terem as pernas e o quadris mais largos, isso me fez começar a esconder meus desenhos e não partilhar com ninguém que eu ainda fazia isso, vir por meio deste projeto um espaço de compartilhar isso.</a:t>
+              <a:t> por meus croquis terem as pernas e o quadris mais largos, isso me fez começar a esconder meus desenhos e não partilhar com ninguém que eu ainda fazia isso.</a:t>
+            </a:r>
+          </a:p>
+          <a:p>
+            <a:pPr algn="just"/>
+            <a:r>
+              <a:rPr lang="pt-BR" sz="2200" dirty="0">
+                <a:solidFill>
+                  <a:schemeClr val="bg1"/>
+                </a:solidFill>
+              </a:rPr>
+              <a:t>Com isso vi nesse projeto uma maneira de unir a minha apreciação por moda junto com minha paixão pelas cores e ainda sim trazendo uma tendencia atual que são as paletas de cores individuais.</a:t>
             </a:r>
           </a:p>
         </p:txBody>
@@ -4294,6 +3780,657 @@
     <p:extLst>
       <p:ext uri="{BB962C8B-B14F-4D97-AF65-F5344CB8AC3E}">
         <p14:creationId xmlns:p14="http://schemas.microsoft.com/office/powerpoint/2010/main" val="3352394668"/>
+      </p:ext>
+    </p:extLst>
+  </p:cSld>
+  <p:clrMapOvr>
+    <a:masterClrMapping/>
+  </p:clrMapOvr>
+</p:sld>
+</file>
+
+<file path=ppt/slides/slide3.xml><?xml version="1.0" encoding="utf-8"?>
+<p:sld xmlns:a="http://schemas.openxmlformats.org/drawingml/2006/main" xmlns:r="http://schemas.openxmlformats.org/officeDocument/2006/relationships" xmlns:p="http://schemas.openxmlformats.org/presentationml/2006/main">
+  <p:cSld>
+    <p:spTree>
+      <p:nvGrpSpPr>
+        <p:cNvPr id="1" name=""/>
+        <p:cNvGrpSpPr/>
+        <p:nvPr/>
+      </p:nvGrpSpPr>
+      <p:grpSpPr>
+        <a:xfrm>
+          <a:off x="0" y="0"/>
+          <a:ext cx="0" cy="0"/>
+          <a:chOff x="0" y="0"/>
+          <a:chExt cx="0" cy="0"/>
+        </a:xfrm>
+      </p:grpSpPr>
+      <p:pic>
+        <p:nvPicPr>
+          <p:cNvPr id="2" name="Imagem 1" descr="Desenho de uma flor&#10;&#10;Descrição gerada automaticamente com confiança média">
+            <a:extLst>
+              <a:ext uri="{FF2B5EF4-FFF2-40B4-BE49-F238E27FC236}">
+                <a16:creationId xmlns:a16="http://schemas.microsoft.com/office/drawing/2014/main" id="{F4F51BB6-11DB-4553-8166-C31920B15385}"/>
+              </a:ext>
+            </a:extLst>
+          </p:cNvPr>
+          <p:cNvPicPr>
+            <a:picLocks noChangeAspect="1"/>
+          </p:cNvPicPr>
+          <p:nvPr/>
+        </p:nvPicPr>
+        <p:blipFill>
+          <a:blip r:embed="rId2">
+            <a:extLst>
+              <a:ext uri="{28A0092B-C50C-407E-A947-70E740481C1C}">
+                <a14:useLocalDpi xmlns:a14="http://schemas.microsoft.com/office/drawing/2010/main" val="0"/>
+              </a:ext>
+            </a:extLst>
+          </a:blip>
+          <a:stretch>
+            <a:fillRect/>
+          </a:stretch>
+        </p:blipFill>
+        <p:spPr>
+          <a:xfrm>
+            <a:off x="1355860" y="1464130"/>
+            <a:ext cx="3616509" cy="3616509"/>
+          </a:xfrm>
+          <a:prstGeom prst="rect">
+            <a:avLst/>
+          </a:prstGeom>
+        </p:spPr>
+      </p:pic>
+      <p:cxnSp>
+        <p:nvCxnSpPr>
+          <p:cNvPr id="4" name="Conector de Seta Reta 3">
+            <a:extLst>
+              <a:ext uri="{FF2B5EF4-FFF2-40B4-BE49-F238E27FC236}">
+                <a16:creationId xmlns:a16="http://schemas.microsoft.com/office/drawing/2014/main" id="{472D992E-8AE6-44D5-AEE2-9609BEB733D2}"/>
+              </a:ext>
+            </a:extLst>
+          </p:cNvPr>
+          <p:cNvCxnSpPr>
+            <a:cxnSpLocks/>
+          </p:cNvCxnSpPr>
+          <p:nvPr/>
+        </p:nvCxnSpPr>
+        <p:spPr>
+          <a:xfrm>
+            <a:off x="4826000" y="2194711"/>
+            <a:ext cx="1901371" cy="0"/>
+          </a:xfrm>
+          <a:prstGeom prst="straightConnector1">
+            <a:avLst/>
+          </a:prstGeom>
+          <a:ln w="15875">
+            <a:solidFill>
+              <a:srgbClr val="D87501"/>
+            </a:solidFill>
+            <a:tailEnd type="triangle"/>
+          </a:ln>
+        </p:spPr>
+        <p:style>
+          <a:lnRef idx="1">
+            <a:schemeClr val="accent1"/>
+          </a:lnRef>
+          <a:fillRef idx="0">
+            <a:schemeClr val="accent1"/>
+          </a:fillRef>
+          <a:effectRef idx="0">
+            <a:schemeClr val="accent1"/>
+          </a:effectRef>
+          <a:fontRef idx="minor">
+            <a:schemeClr val="tx1"/>
+          </a:fontRef>
+        </p:style>
+      </p:cxnSp>
+      <p:sp>
+        <p:nvSpPr>
+          <p:cNvPr id="6" name="Elipse 5">
+            <a:extLst>
+              <a:ext uri="{FF2B5EF4-FFF2-40B4-BE49-F238E27FC236}">
+                <a16:creationId xmlns:a16="http://schemas.microsoft.com/office/drawing/2014/main" id="{52C910EC-73E6-461A-AB27-B5B57FBADB5C}"/>
+              </a:ext>
+            </a:extLst>
+          </p:cNvPr>
+          <p:cNvSpPr/>
+          <p:nvPr/>
+        </p:nvSpPr>
+        <p:spPr>
+          <a:xfrm>
+            <a:off x="4383315" y="4082143"/>
+            <a:ext cx="1016000" cy="986969"/>
+          </a:xfrm>
+          <a:prstGeom prst="ellipse">
+            <a:avLst/>
+          </a:prstGeom>
+          <a:solidFill>
+            <a:srgbClr val="D87501"/>
+          </a:solidFill>
+          <a:ln>
+            <a:solidFill>
+              <a:srgbClr val="D87501"/>
+            </a:solidFill>
+          </a:ln>
+        </p:spPr>
+        <p:style>
+          <a:lnRef idx="2">
+            <a:schemeClr val="accent1">
+              <a:shade val="50000"/>
+            </a:schemeClr>
+          </a:lnRef>
+          <a:fillRef idx="1">
+            <a:schemeClr val="accent1"/>
+          </a:fillRef>
+          <a:effectRef idx="0">
+            <a:schemeClr val="accent1"/>
+          </a:effectRef>
+          <a:fontRef idx="minor">
+            <a:schemeClr val="lt1"/>
+          </a:fontRef>
+        </p:style>
+        <p:txBody>
+          <a:bodyPr rtlCol="0" anchor="ctr"/>
+          <a:lstStyle/>
+          <a:p>
+            <a:pPr algn="ctr"/>
+            <a:endParaRPr lang="pt-BR"/>
+          </a:p>
+        </p:txBody>
+      </p:sp>
+      <p:sp>
+        <p:nvSpPr>
+          <p:cNvPr id="7" name="Elipse 6">
+            <a:extLst>
+              <a:ext uri="{FF2B5EF4-FFF2-40B4-BE49-F238E27FC236}">
+                <a16:creationId xmlns:a16="http://schemas.microsoft.com/office/drawing/2014/main" id="{B7F2D0EA-9CD7-4982-8D5C-961D22257BC2}"/>
+              </a:ext>
+            </a:extLst>
+          </p:cNvPr>
+          <p:cNvSpPr/>
+          <p:nvPr/>
+        </p:nvSpPr>
+        <p:spPr>
+          <a:xfrm>
+            <a:off x="4361317" y="5405397"/>
+            <a:ext cx="1016000" cy="986969"/>
+          </a:xfrm>
+          <a:prstGeom prst="ellipse">
+            <a:avLst/>
+          </a:prstGeom>
+          <a:solidFill>
+            <a:srgbClr val="FFC13C"/>
+          </a:solidFill>
+          <a:ln>
+            <a:solidFill>
+              <a:srgbClr val="FFC13C"/>
+            </a:solidFill>
+          </a:ln>
+        </p:spPr>
+        <p:style>
+          <a:lnRef idx="2">
+            <a:schemeClr val="accent1">
+              <a:shade val="50000"/>
+            </a:schemeClr>
+          </a:lnRef>
+          <a:fillRef idx="1">
+            <a:schemeClr val="accent1"/>
+          </a:fillRef>
+          <a:effectRef idx="0">
+            <a:schemeClr val="accent1"/>
+          </a:effectRef>
+          <a:fontRef idx="minor">
+            <a:schemeClr val="lt1"/>
+          </a:fontRef>
+        </p:style>
+        <p:txBody>
+          <a:bodyPr rtlCol="0" anchor="ctr"/>
+          <a:lstStyle/>
+          <a:p>
+            <a:pPr algn="ctr"/>
+            <a:endParaRPr lang="pt-BR"/>
+          </a:p>
+        </p:txBody>
+      </p:sp>
+      <p:sp>
+        <p:nvSpPr>
+          <p:cNvPr id="8" name="Retângulo: Cantos Arredondados 7">
+            <a:extLst>
+              <a:ext uri="{FF2B5EF4-FFF2-40B4-BE49-F238E27FC236}">
+                <a16:creationId xmlns:a16="http://schemas.microsoft.com/office/drawing/2014/main" id="{B7650F14-BCFE-415F-BBEA-657453F9A016}"/>
+              </a:ext>
+            </a:extLst>
+          </p:cNvPr>
+          <p:cNvSpPr/>
+          <p:nvPr/>
+        </p:nvSpPr>
+        <p:spPr>
+          <a:xfrm>
+            <a:off x="3657600" y="544287"/>
+            <a:ext cx="5399314" cy="595086"/>
+          </a:xfrm>
+          <a:prstGeom prst="roundRect">
+            <a:avLst/>
+          </a:prstGeom>
+          <a:solidFill>
+            <a:srgbClr val="D87501"/>
+          </a:solidFill>
+          <a:ln>
+            <a:solidFill>
+              <a:schemeClr val="bg1"/>
+            </a:solidFill>
+          </a:ln>
+        </p:spPr>
+        <p:style>
+          <a:lnRef idx="2">
+            <a:schemeClr val="accent1">
+              <a:shade val="50000"/>
+            </a:schemeClr>
+          </a:lnRef>
+          <a:fillRef idx="1">
+            <a:schemeClr val="accent1"/>
+          </a:fillRef>
+          <a:effectRef idx="0">
+            <a:schemeClr val="accent1"/>
+          </a:effectRef>
+          <a:fontRef idx="minor">
+            <a:schemeClr val="lt1"/>
+          </a:fontRef>
+        </p:style>
+        <p:txBody>
+          <a:bodyPr rtlCol="0" anchor="ctr"/>
+          <a:lstStyle/>
+          <a:p>
+            <a:pPr algn="ctr"/>
+            <a:r>
+              <a:rPr lang="pt-BR" sz="2600" b="1" dirty="0">
+                <a:solidFill>
+                  <a:schemeClr val="bg1"/>
+                </a:solidFill>
+              </a:rPr>
+              <a:t>IDENTIDADE VISUAL</a:t>
+            </a:r>
+          </a:p>
+        </p:txBody>
+      </p:sp>
+      <p:sp>
+        <p:nvSpPr>
+          <p:cNvPr id="10" name="CaixaDeTexto 9">
+            <a:extLst>
+              <a:ext uri="{FF2B5EF4-FFF2-40B4-BE49-F238E27FC236}">
+                <a16:creationId xmlns:a16="http://schemas.microsoft.com/office/drawing/2014/main" id="{B1A76901-01B9-420B-8708-D6325F045FB3}"/>
+              </a:ext>
+            </a:extLst>
+          </p:cNvPr>
+          <p:cNvSpPr txBox="1"/>
+          <p:nvPr/>
+        </p:nvSpPr>
+        <p:spPr>
+          <a:xfrm>
+            <a:off x="7300687" y="1793597"/>
+            <a:ext cx="3947886" cy="707886"/>
+          </a:xfrm>
+          <a:prstGeom prst="rect">
+            <a:avLst/>
+          </a:prstGeom>
+          <a:noFill/>
+        </p:spPr>
+        <p:txBody>
+          <a:bodyPr wrap="square">
+            <a:spAutoFit/>
+          </a:bodyPr>
+          <a:lstStyle/>
+          <a:p>
+            <a:pPr algn="l" fontAlgn="base"/>
+            <a:r>
+              <a:rPr lang="pt-BR" sz="2000" b="0" i="0" dirty="0">
+                <a:solidFill>
+                  <a:schemeClr val="accent2"/>
+                </a:solidFill>
+                <a:effectLst/>
+                <a:latin typeface="inherit"/>
+              </a:rPr>
+              <a:t>Resistir às provações da vida cotidiana</a:t>
+            </a:r>
+          </a:p>
+        </p:txBody>
+      </p:sp>
+      <p:sp>
+        <p:nvSpPr>
+          <p:cNvPr id="12" name="CaixaDeTexto 11">
+            <a:extLst>
+              <a:ext uri="{FF2B5EF4-FFF2-40B4-BE49-F238E27FC236}">
+                <a16:creationId xmlns:a16="http://schemas.microsoft.com/office/drawing/2014/main" id="{4F357796-0534-4601-84A1-E855B717A146}"/>
+              </a:ext>
+            </a:extLst>
+          </p:cNvPr>
+          <p:cNvSpPr txBox="1"/>
+          <p:nvPr/>
+        </p:nvSpPr>
+        <p:spPr>
+          <a:xfrm>
+            <a:off x="7300687" y="2613352"/>
+            <a:ext cx="4188599" cy="1015663"/>
+          </a:xfrm>
+          <a:prstGeom prst="rect">
+            <a:avLst/>
+          </a:prstGeom>
+          <a:noFill/>
+        </p:spPr>
+        <p:txBody>
+          <a:bodyPr wrap="square">
+            <a:spAutoFit/>
+          </a:bodyPr>
+          <a:lstStyle/>
+          <a:p>
+            <a:pPr algn="just" fontAlgn="base"/>
+            <a:r>
+              <a:rPr lang="pt-BR" sz="2000" b="0" i="0" dirty="0">
+                <a:solidFill>
+                  <a:schemeClr val="accent2"/>
+                </a:solidFill>
+                <a:effectLst/>
+                <a:latin typeface="inherit"/>
+              </a:rPr>
+              <a:t>Seguir seus sonhos e alcançar suas aspirações, tanto em um sentido material quanto espiritual.</a:t>
+            </a:r>
+          </a:p>
+        </p:txBody>
+      </p:sp>
+      <p:cxnSp>
+        <p:nvCxnSpPr>
+          <p:cNvPr id="13" name="Conector de Seta Reta 12">
+            <a:extLst>
+              <a:ext uri="{FF2B5EF4-FFF2-40B4-BE49-F238E27FC236}">
+                <a16:creationId xmlns:a16="http://schemas.microsoft.com/office/drawing/2014/main" id="{08683A47-2E59-47F5-8306-FE240F349726}"/>
+              </a:ext>
+            </a:extLst>
+          </p:cNvPr>
+          <p:cNvCxnSpPr>
+            <a:cxnSpLocks/>
+          </p:cNvCxnSpPr>
+          <p:nvPr/>
+        </p:nvCxnSpPr>
+        <p:spPr>
+          <a:xfrm>
+            <a:off x="5638800" y="4575627"/>
+            <a:ext cx="1901371" cy="0"/>
+          </a:xfrm>
+          <a:prstGeom prst="straightConnector1">
+            <a:avLst/>
+          </a:prstGeom>
+          <a:ln w="15875">
+            <a:solidFill>
+              <a:srgbClr val="D87501"/>
+            </a:solidFill>
+            <a:tailEnd type="triangle"/>
+          </a:ln>
+        </p:spPr>
+        <p:style>
+          <a:lnRef idx="1">
+            <a:schemeClr val="accent1"/>
+          </a:lnRef>
+          <a:fillRef idx="0">
+            <a:schemeClr val="accent1"/>
+          </a:fillRef>
+          <a:effectRef idx="0">
+            <a:schemeClr val="accent1"/>
+          </a:effectRef>
+          <a:fontRef idx="minor">
+            <a:schemeClr val="tx1"/>
+          </a:fontRef>
+        </p:style>
+      </p:cxnSp>
+      <p:sp>
+        <p:nvSpPr>
+          <p:cNvPr id="15" name="CaixaDeTexto 14">
+            <a:extLst>
+              <a:ext uri="{FF2B5EF4-FFF2-40B4-BE49-F238E27FC236}">
+                <a16:creationId xmlns:a16="http://schemas.microsoft.com/office/drawing/2014/main" id="{D9086EF6-7028-4252-B80D-DE26BD9CDBA4}"/>
+              </a:ext>
+            </a:extLst>
+          </p:cNvPr>
+          <p:cNvSpPr txBox="1"/>
+          <p:nvPr/>
+        </p:nvSpPr>
+        <p:spPr>
+          <a:xfrm>
+            <a:off x="7837717" y="4037018"/>
+            <a:ext cx="4020454" cy="1200329"/>
+          </a:xfrm>
+          <a:prstGeom prst="rect">
+            <a:avLst/>
+          </a:prstGeom>
+          <a:noFill/>
+        </p:spPr>
+        <p:txBody>
+          <a:bodyPr wrap="square">
+            <a:spAutoFit/>
+          </a:bodyPr>
+          <a:lstStyle/>
+          <a:p>
+            <a:pPr algn="just"/>
+            <a:r>
+              <a:rPr lang="pt-BR" i="0" dirty="0">
+                <a:solidFill>
+                  <a:schemeClr val="accent2"/>
+                </a:solidFill>
+                <a:effectLst/>
+                <a:latin typeface="inherit"/>
+              </a:rPr>
+              <a:t>A </a:t>
+            </a:r>
+            <a:r>
+              <a:rPr lang="pt-BR" b="1" i="0" dirty="0">
+                <a:solidFill>
+                  <a:schemeClr val="accent2"/>
+                </a:solidFill>
+                <a:effectLst/>
+                <a:latin typeface="inherit"/>
+              </a:rPr>
+              <a:t>cor laranja</a:t>
+            </a:r>
+            <a:r>
+              <a:rPr lang="pt-BR" i="0" dirty="0">
+                <a:solidFill>
+                  <a:schemeClr val="accent2"/>
+                </a:solidFill>
+                <a:effectLst/>
+                <a:latin typeface="inherit"/>
+              </a:rPr>
+              <a:t> traz força, coragem, determinação e ousadia, tirando a gente do estado de medo e covardia. A cor estimula também a criatividade</a:t>
+            </a:r>
+            <a:endParaRPr lang="pt-BR" dirty="0">
+              <a:solidFill>
+                <a:schemeClr val="accent2"/>
+              </a:solidFill>
+              <a:latin typeface="inherit"/>
+            </a:endParaRPr>
+          </a:p>
+        </p:txBody>
+      </p:sp>
+      <p:cxnSp>
+        <p:nvCxnSpPr>
+          <p:cNvPr id="16" name="Conector de Seta Reta 15">
+            <a:extLst>
+              <a:ext uri="{FF2B5EF4-FFF2-40B4-BE49-F238E27FC236}">
+                <a16:creationId xmlns:a16="http://schemas.microsoft.com/office/drawing/2014/main" id="{7B91A3EC-AA3C-4BBB-B460-218FE5C0BC4A}"/>
+              </a:ext>
+            </a:extLst>
+          </p:cNvPr>
+          <p:cNvCxnSpPr>
+            <a:cxnSpLocks/>
+          </p:cNvCxnSpPr>
+          <p:nvPr/>
+        </p:nvCxnSpPr>
+        <p:spPr>
+          <a:xfrm>
+            <a:off x="5776686" y="5918199"/>
+            <a:ext cx="1901371" cy="0"/>
+          </a:xfrm>
+          <a:prstGeom prst="straightConnector1">
+            <a:avLst/>
+          </a:prstGeom>
+          <a:ln w="15875">
+            <a:solidFill>
+              <a:srgbClr val="D87501"/>
+            </a:solidFill>
+            <a:tailEnd type="triangle"/>
+          </a:ln>
+        </p:spPr>
+        <p:style>
+          <a:lnRef idx="1">
+            <a:schemeClr val="accent1"/>
+          </a:lnRef>
+          <a:fillRef idx="0">
+            <a:schemeClr val="accent1"/>
+          </a:fillRef>
+          <a:effectRef idx="0">
+            <a:schemeClr val="accent1"/>
+          </a:effectRef>
+          <a:fontRef idx="minor">
+            <a:schemeClr val="tx1"/>
+          </a:fontRef>
+        </p:style>
+      </p:cxnSp>
+      <p:sp>
+        <p:nvSpPr>
+          <p:cNvPr id="17" name="CaixaDeTexto 16">
+            <a:extLst>
+              <a:ext uri="{FF2B5EF4-FFF2-40B4-BE49-F238E27FC236}">
+                <a16:creationId xmlns:a16="http://schemas.microsoft.com/office/drawing/2014/main" id="{97CCC116-B5EF-465D-BD14-F39DA01D6AB6}"/>
+              </a:ext>
+            </a:extLst>
+          </p:cNvPr>
+          <p:cNvSpPr txBox="1"/>
+          <p:nvPr/>
+        </p:nvSpPr>
+        <p:spPr>
+          <a:xfrm>
+            <a:off x="7837717" y="5405397"/>
+            <a:ext cx="4020454" cy="1200329"/>
+          </a:xfrm>
+          <a:prstGeom prst="rect">
+            <a:avLst/>
+          </a:prstGeom>
+          <a:noFill/>
+        </p:spPr>
+        <p:txBody>
+          <a:bodyPr wrap="square">
+            <a:spAutoFit/>
+          </a:bodyPr>
+          <a:lstStyle/>
+          <a:p>
+            <a:pPr algn="just"/>
+            <a:r>
+              <a:rPr lang="pt-BR" i="0" dirty="0">
+                <a:solidFill>
+                  <a:schemeClr val="accent2"/>
+                </a:solidFill>
+                <a:effectLst/>
+                <a:latin typeface="inherit"/>
+              </a:rPr>
+              <a:t>A</a:t>
+            </a:r>
+            <a:r>
+              <a:rPr lang="pt-BR" b="1" i="0" dirty="0">
+                <a:solidFill>
+                  <a:schemeClr val="accent2"/>
+                </a:solidFill>
+                <a:effectLst/>
+                <a:latin typeface="inherit"/>
+              </a:rPr>
+              <a:t> cor amarela</a:t>
+            </a:r>
+            <a:r>
+              <a:rPr lang="pt-BR" b="0" i="0" dirty="0">
+                <a:solidFill>
+                  <a:schemeClr val="accent2"/>
+                </a:solidFill>
+                <a:effectLst/>
+                <a:latin typeface="inherit"/>
+              </a:rPr>
+              <a:t> significa </a:t>
+            </a:r>
+            <a:r>
+              <a:rPr lang="pt-BR" i="0" dirty="0">
+                <a:solidFill>
+                  <a:schemeClr val="accent2"/>
+                </a:solidFill>
+                <a:effectLst/>
+                <a:latin typeface="inherit"/>
+              </a:rPr>
+              <a:t>luz, calor</a:t>
+            </a:r>
+            <a:r>
+              <a:rPr lang="pt-BR" b="0" i="0" dirty="0">
+                <a:solidFill>
+                  <a:schemeClr val="accent2"/>
+                </a:solidFill>
+                <a:effectLst/>
+                <a:latin typeface="inherit"/>
+              </a:rPr>
+              <a:t>, descontração, otimismo e alegria que desperta a criatividade. Estimula as atividades mentais e o raciocínio.</a:t>
+            </a:r>
+            <a:endParaRPr lang="pt-BR" dirty="0">
+              <a:solidFill>
+                <a:schemeClr val="accent2"/>
+              </a:solidFill>
+              <a:latin typeface="inherit"/>
+            </a:endParaRPr>
+          </a:p>
+        </p:txBody>
+      </p:sp>
+      <p:cxnSp>
+        <p:nvCxnSpPr>
+          <p:cNvPr id="18" name="Conector de Seta Reta 17">
+            <a:extLst>
+              <a:ext uri="{FF2B5EF4-FFF2-40B4-BE49-F238E27FC236}">
+                <a16:creationId xmlns:a16="http://schemas.microsoft.com/office/drawing/2014/main" id="{57A2088A-B3EF-493A-A144-044C3DE1183B}"/>
+              </a:ext>
+            </a:extLst>
+          </p:cNvPr>
+          <p:cNvCxnSpPr>
+            <a:cxnSpLocks/>
+          </p:cNvCxnSpPr>
+          <p:nvPr/>
+        </p:nvCxnSpPr>
+        <p:spPr>
+          <a:xfrm>
+            <a:off x="4891315" y="3029894"/>
+            <a:ext cx="1901371" cy="0"/>
+          </a:xfrm>
+          <a:prstGeom prst="straightConnector1">
+            <a:avLst/>
+          </a:prstGeom>
+          <a:ln w="15875">
+            <a:solidFill>
+              <a:srgbClr val="D87501"/>
+            </a:solidFill>
+            <a:tailEnd type="triangle"/>
+          </a:ln>
+        </p:spPr>
+        <p:style>
+          <a:lnRef idx="1">
+            <a:schemeClr val="accent1"/>
+          </a:lnRef>
+          <a:fillRef idx="0">
+            <a:schemeClr val="accent1"/>
+          </a:fillRef>
+          <a:effectRef idx="0">
+            <a:schemeClr val="accent1"/>
+          </a:effectRef>
+          <a:fontRef idx="minor">
+            <a:schemeClr val="tx1"/>
+          </a:fontRef>
+        </p:style>
+      </p:cxnSp>
+    </p:spTree>
+    <p:extLst>
+      <p:ext uri="{BB962C8B-B14F-4D97-AF65-F5344CB8AC3E}">
+        <p14:creationId xmlns:p14="http://schemas.microsoft.com/office/powerpoint/2010/main" val="3569995890"/>
       </p:ext>
     </p:extLst>
   </p:cSld>
@@ -4438,6 +4575,14 @@
 <file path=ppt/slides/slide6.xml><?xml version="1.0" encoding="utf-8"?>
 <p:sld xmlns:a="http://schemas.openxmlformats.org/drawingml/2006/main" xmlns:r="http://schemas.openxmlformats.org/officeDocument/2006/relationships" xmlns:p="http://schemas.openxmlformats.org/presentationml/2006/main">
   <p:cSld>
+    <p:bg>
+      <p:bgPr>
+        <a:solidFill>
+          <a:schemeClr val="bg1"/>
+        </a:solidFill>
+        <a:effectLst/>
+      </p:bgPr>
+    </p:bg>
     <p:spTree>
       <p:nvGrpSpPr>
         <p:cNvPr id="1" name=""/>
@@ -4452,12 +4597,95 @@
           <a:chExt cx="0" cy="0"/>
         </a:xfrm>
       </p:grpSpPr>
-      <p:sp>
-        <p:nvSpPr>
-          <p:cNvPr id="2" name="Retângulo: Cantos Arredondados 1">
-            <a:extLst>
-              <a:ext uri="{FF2B5EF4-FFF2-40B4-BE49-F238E27FC236}">
-                <a16:creationId xmlns:a16="http://schemas.microsoft.com/office/drawing/2014/main" id="{F81BD1AA-FB73-4DAC-A45C-4077D0509F1D}"/>
+      <p:pic>
+        <p:nvPicPr>
+          <p:cNvPr id="1026" name="Picture 2" descr="SoftwareReviews | Microsoft Planner | Make Better IT Decisions">
+            <a:extLst>
+              <a:ext uri="{FF2B5EF4-FFF2-40B4-BE49-F238E27FC236}">
+                <a16:creationId xmlns:a16="http://schemas.microsoft.com/office/drawing/2014/main" id="{C4AA7BF9-BD37-400E-94CA-945657ED2B42}"/>
+              </a:ext>
+            </a:extLst>
+          </p:cNvPr>
+          <p:cNvPicPr>
+            <a:picLocks noChangeAspect="1" noChangeArrowheads="1"/>
+          </p:cNvPicPr>
+          <p:nvPr/>
+        </p:nvPicPr>
+        <p:blipFill>
+          <a:blip r:embed="rId2">
+            <a:extLst>
+              <a:ext uri="{28A0092B-C50C-407E-A947-70E740481C1C}">
+                <a14:useLocalDpi xmlns:a14="http://schemas.microsoft.com/office/drawing/2010/main" val="0"/>
+              </a:ext>
+            </a:extLst>
+          </a:blip>
+          <a:srcRect/>
+          <a:stretch>
+            <a:fillRect/>
+          </a:stretch>
+        </p:blipFill>
+        <p:spPr bwMode="auto">
+          <a:xfrm>
+            <a:off x="2710948" y="2163713"/>
+            <a:ext cx="6770104" cy="2530573"/>
+          </a:xfrm>
+          <a:prstGeom prst="rect">
+            <a:avLst/>
+          </a:prstGeom>
+          <a:noFill/>
+          <a:extLst>
+            <a:ext uri="{909E8E84-426E-40DD-AFC4-6F175D3DCCD1}">
+              <a14:hiddenFill xmlns:a14="http://schemas.microsoft.com/office/drawing/2010/main">
+                <a:solidFill>
+                  <a:srgbClr val="FFFFFF"/>
+                </a:solidFill>
+              </a14:hiddenFill>
+            </a:ext>
+          </a:extLst>
+        </p:spPr>
+      </p:pic>
+      <p:pic>
+        <p:nvPicPr>
+          <p:cNvPr id="8" name="Imagem 7" descr="Desenho de uma flor&#10;&#10;Descrição gerada automaticamente com confiança média">
+            <a:extLst>
+              <a:ext uri="{FF2B5EF4-FFF2-40B4-BE49-F238E27FC236}">
+                <a16:creationId xmlns:a16="http://schemas.microsoft.com/office/drawing/2014/main" id="{86F958E0-A33B-4B7C-954F-C9C4CA8177B6}"/>
+              </a:ext>
+            </a:extLst>
+          </p:cNvPr>
+          <p:cNvPicPr>
+            <a:picLocks noChangeAspect="1"/>
+          </p:cNvPicPr>
+          <p:nvPr/>
+        </p:nvPicPr>
+        <p:blipFill>
+          <a:blip r:embed="rId3">
+            <a:extLst>
+              <a:ext uri="{28A0092B-C50C-407E-A947-70E740481C1C}">
+                <a14:useLocalDpi xmlns:a14="http://schemas.microsoft.com/office/drawing/2010/main" val="0"/>
+              </a:ext>
+            </a:extLst>
+          </a:blip>
+          <a:stretch>
+            <a:fillRect/>
+          </a:stretch>
+        </p:blipFill>
+        <p:spPr>
+          <a:xfrm>
+            <a:off x="154744" y="267285"/>
+            <a:ext cx="983019" cy="951615"/>
+          </a:xfrm>
+          <a:prstGeom prst="rect">
+            <a:avLst/>
+          </a:prstGeom>
+        </p:spPr>
+      </p:pic>
+      <p:sp>
+        <p:nvSpPr>
+          <p:cNvPr id="9" name="Elipse 8">
+            <a:extLst>
+              <a:ext uri="{FF2B5EF4-FFF2-40B4-BE49-F238E27FC236}">
+                <a16:creationId xmlns:a16="http://schemas.microsoft.com/office/drawing/2014/main" id="{7F3D9414-B33B-4960-A87C-281AA99BB0E3}"/>
               </a:ext>
             </a:extLst>
           </p:cNvPr>
@@ -4466,10 +4694,10 @@
         </p:nvSpPr>
         <p:spPr>
           <a:xfrm>
-            <a:off x="2888343" y="474577"/>
-            <a:ext cx="6705600" cy="595086"/>
-          </a:xfrm>
-          <a:prstGeom prst="roundRect">
+            <a:off x="9777047" y="-950306"/>
+            <a:ext cx="3981156" cy="3386796"/>
+          </a:xfrm>
+          <a:prstGeom prst="ellipse">
             <a:avLst/>
           </a:prstGeom>
           <a:solidFill>
@@ -4477,7 +4705,7 @@
           </a:solidFill>
           <a:ln>
             <a:solidFill>
-              <a:schemeClr val="bg1"/>
+              <a:srgbClr val="D87501"/>
             </a:solidFill>
           </a:ln>
         </p:spPr>
@@ -4502,87 +4730,68 @@
           <a:lstStyle/>
           <a:p>
             <a:pPr algn="ctr"/>
-            <a:r>
-              <a:rPr lang="pt-BR" sz="2600" b="1" dirty="0">
-                <a:solidFill>
-                  <a:schemeClr val="bg1"/>
-                </a:solidFill>
-              </a:rPr>
-              <a:t>MODELO DE ENTIDADE E RELACIONAMENTO</a:t>
-            </a:r>
-          </a:p>
-        </p:txBody>
-      </p:sp>
-      <p:pic>
-        <p:nvPicPr>
-          <p:cNvPr id="3" name="Imagem 2" descr="Desenho de uma flor&#10;&#10;Descrição gerada automaticamente com confiança média">
-            <a:extLst>
-              <a:ext uri="{FF2B5EF4-FFF2-40B4-BE49-F238E27FC236}">
-                <a16:creationId xmlns:a16="http://schemas.microsoft.com/office/drawing/2014/main" id="{4327B45D-3CCC-4C7B-B137-EC5933E5106A}"/>
-              </a:ext>
-            </a:extLst>
-          </p:cNvPr>
-          <p:cNvPicPr>
-            <a:picLocks noChangeAspect="1"/>
-          </p:cNvPicPr>
+            <a:endParaRPr lang="pt-BR"/>
+          </a:p>
+        </p:txBody>
+      </p:sp>
+      <p:sp>
+        <p:nvSpPr>
+          <p:cNvPr id="11" name="Elipse 10">
+            <a:extLst>
+              <a:ext uri="{FF2B5EF4-FFF2-40B4-BE49-F238E27FC236}">
+                <a16:creationId xmlns:a16="http://schemas.microsoft.com/office/drawing/2014/main" id="{1A8D25D6-DD78-42A1-A66B-ACC1A53277C8}"/>
+              </a:ext>
+            </a:extLst>
+          </p:cNvPr>
+          <p:cNvSpPr/>
           <p:nvPr/>
-        </p:nvPicPr>
-        <p:blipFill>
-          <a:blip r:embed="rId2">
-            <a:extLst>
-              <a:ext uri="{28A0092B-C50C-407E-A947-70E740481C1C}">
-                <a14:useLocalDpi xmlns:a14="http://schemas.microsoft.com/office/drawing/2010/main" val="0"/>
-              </a:ext>
-            </a:extLst>
-          </a:blip>
-          <a:stretch>
-            <a:fillRect/>
-          </a:stretch>
-        </p:blipFill>
+        </p:nvSpPr>
         <p:spPr>
           <a:xfrm>
-            <a:off x="154744" y="267285"/>
-            <a:ext cx="983019" cy="951615"/>
-          </a:xfrm>
-          <a:prstGeom prst="rect">
+            <a:off x="-1566203" y="4694286"/>
+            <a:ext cx="3981156" cy="3386796"/>
+          </a:xfrm>
+          <a:prstGeom prst="ellipse">
             <a:avLst/>
           </a:prstGeom>
-        </p:spPr>
-      </p:pic>
-      <p:pic>
-        <p:nvPicPr>
-          <p:cNvPr id="5" name="Imagem 4">
-            <a:extLst>
-              <a:ext uri="{FF2B5EF4-FFF2-40B4-BE49-F238E27FC236}">
-                <a16:creationId xmlns:a16="http://schemas.microsoft.com/office/drawing/2014/main" id="{8429666A-F1CA-4B20-8F92-23F6DD9BE56B}"/>
-              </a:ext>
-            </a:extLst>
-          </p:cNvPr>
-          <p:cNvPicPr>
-            <a:picLocks noChangeAspect="1"/>
-          </p:cNvPicPr>
-          <p:nvPr/>
-        </p:nvPicPr>
-        <p:blipFill>
-          <a:blip r:embed="rId3"/>
-          <a:stretch>
-            <a:fillRect/>
-          </a:stretch>
-        </p:blipFill>
-        <p:spPr>
-          <a:xfrm>
-            <a:off x="976217" y="1867949"/>
-            <a:ext cx="9654473" cy="3978813"/>
-          </a:xfrm>
-          <a:prstGeom prst="rect">
-            <a:avLst/>
-          </a:prstGeom>
-        </p:spPr>
-      </p:pic>
+          <a:solidFill>
+            <a:srgbClr val="D87501"/>
+          </a:solidFill>
+          <a:ln>
+            <a:solidFill>
+              <a:srgbClr val="D87501"/>
+            </a:solidFill>
+          </a:ln>
+        </p:spPr>
+        <p:style>
+          <a:lnRef idx="2">
+            <a:schemeClr val="accent1">
+              <a:shade val="50000"/>
+            </a:schemeClr>
+          </a:lnRef>
+          <a:fillRef idx="1">
+            <a:schemeClr val="accent1"/>
+          </a:fillRef>
+          <a:effectRef idx="0">
+            <a:schemeClr val="accent1"/>
+          </a:effectRef>
+          <a:fontRef idx="minor">
+            <a:schemeClr val="lt1"/>
+          </a:fontRef>
+        </p:style>
+        <p:txBody>
+          <a:bodyPr rtlCol="0" anchor="ctr"/>
+          <a:lstStyle/>
+          <a:p>
+            <a:pPr algn="ctr"/>
+            <a:endParaRPr lang="pt-BR"/>
+          </a:p>
+        </p:txBody>
+      </p:sp>
     </p:spTree>
     <p:extLst>
       <p:ext uri="{BB962C8B-B14F-4D97-AF65-F5344CB8AC3E}">
-        <p14:creationId xmlns:p14="http://schemas.microsoft.com/office/powerpoint/2010/main" val="4069559284"/>
+        <p14:creationId xmlns:p14="http://schemas.microsoft.com/office/powerpoint/2010/main" val="1229870020"/>
       </p:ext>
     </p:extLst>
   </p:cSld>
@@ -4619,53 +4828,6 @@
       </p:grpSpPr>
       <p:pic>
         <p:nvPicPr>
-          <p:cNvPr id="1026" name="Picture 2" descr="SoftwareReviews | Microsoft Planner | Make Better IT Decisions">
-            <a:extLst>
-              <a:ext uri="{FF2B5EF4-FFF2-40B4-BE49-F238E27FC236}">
-                <a16:creationId xmlns:a16="http://schemas.microsoft.com/office/drawing/2014/main" id="{C4AA7BF9-BD37-400E-94CA-945657ED2B42}"/>
-              </a:ext>
-            </a:extLst>
-          </p:cNvPr>
-          <p:cNvPicPr>
-            <a:picLocks noChangeAspect="1" noChangeArrowheads="1"/>
-          </p:cNvPicPr>
-          <p:nvPr/>
-        </p:nvPicPr>
-        <p:blipFill>
-          <a:blip r:embed="rId2">
-            <a:extLst>
-              <a:ext uri="{28A0092B-C50C-407E-A947-70E740481C1C}">
-                <a14:useLocalDpi xmlns:a14="http://schemas.microsoft.com/office/drawing/2010/main" val="0"/>
-              </a:ext>
-            </a:extLst>
-          </a:blip>
-          <a:srcRect/>
-          <a:stretch>
-            <a:fillRect/>
-          </a:stretch>
-        </p:blipFill>
-        <p:spPr bwMode="auto">
-          <a:xfrm>
-            <a:off x="2710948" y="2163713"/>
-            <a:ext cx="6770104" cy="2530573"/>
-          </a:xfrm>
-          <a:prstGeom prst="rect">
-            <a:avLst/>
-          </a:prstGeom>
-          <a:noFill/>
-          <a:extLst>
-            <a:ext uri="{909E8E84-426E-40DD-AFC4-6F175D3DCCD1}">
-              <a14:hiddenFill xmlns:a14="http://schemas.microsoft.com/office/drawing/2010/main">
-                <a:solidFill>
-                  <a:srgbClr val="FFFFFF"/>
-                </a:solidFill>
-              </a14:hiddenFill>
-            </a:ext>
-          </a:extLst>
-        </p:spPr>
-      </p:pic>
-      <p:pic>
-        <p:nvPicPr>
           <p:cNvPr id="8" name="Imagem 7" descr="Desenho de uma flor&#10;&#10;Descrição gerada automaticamente com confiança média">
             <a:extLst>
               <a:ext uri="{FF2B5EF4-FFF2-40B4-BE49-F238E27FC236}">
@@ -4679,7 +4841,7 @@
           <p:nvPr/>
         </p:nvPicPr>
         <p:blipFill>
-          <a:blip r:embed="rId3">
+          <a:blip r:embed="rId2">
             <a:extLst>
               <a:ext uri="{28A0092B-C50C-407E-A947-70E740481C1C}">
                 <a14:useLocalDpi xmlns:a14="http://schemas.microsoft.com/office/drawing/2010/main" val="0"/>
@@ -4808,10 +4970,57 @@
           </a:p>
         </p:txBody>
       </p:sp>
+      <p:pic>
+        <p:nvPicPr>
+          <p:cNvPr id="2050" name="Picture 2" descr="Pipefy | Endeavor Brasil">
+            <a:extLst>
+              <a:ext uri="{FF2B5EF4-FFF2-40B4-BE49-F238E27FC236}">
+                <a16:creationId xmlns:a16="http://schemas.microsoft.com/office/drawing/2014/main" id="{4C4A37C0-8108-47CE-A0B1-EFE98AB04A66}"/>
+              </a:ext>
+            </a:extLst>
+          </p:cNvPr>
+          <p:cNvPicPr>
+            <a:picLocks noChangeAspect="1" noChangeArrowheads="1"/>
+          </p:cNvPicPr>
+          <p:nvPr/>
+        </p:nvPicPr>
+        <p:blipFill>
+          <a:blip r:embed="rId3">
+            <a:extLst>
+              <a:ext uri="{28A0092B-C50C-407E-A947-70E740481C1C}">
+                <a14:useLocalDpi xmlns:a14="http://schemas.microsoft.com/office/drawing/2010/main" val="0"/>
+              </a:ext>
+            </a:extLst>
+          </a:blip>
+          <a:srcRect/>
+          <a:stretch>
+            <a:fillRect/>
+          </a:stretch>
+        </p:blipFill>
+        <p:spPr bwMode="auto">
+          <a:xfrm>
+            <a:off x="2488289" y="2148114"/>
+            <a:ext cx="7288758" cy="2325461"/>
+          </a:xfrm>
+          <a:prstGeom prst="rect">
+            <a:avLst/>
+          </a:prstGeom>
+          <a:noFill/>
+          <a:extLst>
+            <a:ext uri="{909E8E84-426E-40DD-AFC4-6F175D3DCCD1}">
+              <a14:hiddenFill xmlns:a14="http://schemas.microsoft.com/office/drawing/2010/main">
+                <a:solidFill>
+                  <a:srgbClr val="FFFFFF"/>
+                </a:solidFill>
+              </a14:hiddenFill>
+            </a:ext>
+          </a:extLst>
+        </p:spPr>
+      </p:pic>
     </p:spTree>
     <p:extLst>
       <p:ext uri="{BB962C8B-B14F-4D97-AF65-F5344CB8AC3E}">
-        <p14:creationId xmlns:p14="http://schemas.microsoft.com/office/powerpoint/2010/main" val="1229870020"/>
+        <p14:creationId xmlns:p14="http://schemas.microsoft.com/office/powerpoint/2010/main" val="3800314399"/>
       </p:ext>
     </p:extLst>
   </p:cSld>
@@ -4824,14 +5033,6 @@
 <file path=ppt/slides/slide8.xml><?xml version="1.0" encoding="utf-8"?>
 <p:sld xmlns:a="http://schemas.openxmlformats.org/drawingml/2006/main" xmlns:r="http://schemas.openxmlformats.org/officeDocument/2006/relationships" xmlns:p="http://schemas.openxmlformats.org/presentationml/2006/main">
   <p:cSld>
-    <p:bg>
-      <p:bgPr>
-        <a:solidFill>
-          <a:schemeClr val="bg1"/>
-        </a:solidFill>
-        <a:effectLst/>
-      </p:bgPr>
-    </p:bg>
     <p:spTree>
       <p:nvGrpSpPr>
         <p:cNvPr id="1" name=""/>
@@ -4846,48 +5047,12 @@
           <a:chExt cx="0" cy="0"/>
         </a:xfrm>
       </p:grpSpPr>
-      <p:pic>
-        <p:nvPicPr>
-          <p:cNvPr id="8" name="Imagem 7" descr="Desenho de uma flor&#10;&#10;Descrição gerada automaticamente com confiança média">
-            <a:extLst>
-              <a:ext uri="{FF2B5EF4-FFF2-40B4-BE49-F238E27FC236}">
-                <a16:creationId xmlns:a16="http://schemas.microsoft.com/office/drawing/2014/main" id="{86F958E0-A33B-4B7C-954F-C9C4CA8177B6}"/>
-              </a:ext>
-            </a:extLst>
-          </p:cNvPr>
-          <p:cNvPicPr>
-            <a:picLocks noChangeAspect="1"/>
-          </p:cNvPicPr>
-          <p:nvPr/>
-        </p:nvPicPr>
-        <p:blipFill>
-          <a:blip r:embed="rId2">
-            <a:extLst>
-              <a:ext uri="{28A0092B-C50C-407E-A947-70E740481C1C}">
-                <a14:useLocalDpi xmlns:a14="http://schemas.microsoft.com/office/drawing/2010/main" val="0"/>
-              </a:ext>
-            </a:extLst>
-          </a:blip>
-          <a:stretch>
-            <a:fillRect/>
-          </a:stretch>
-        </p:blipFill>
-        <p:spPr>
-          <a:xfrm>
-            <a:off x="154744" y="267285"/>
-            <a:ext cx="983019" cy="951615"/>
-          </a:xfrm>
-          <a:prstGeom prst="rect">
-            <a:avLst/>
-          </a:prstGeom>
-        </p:spPr>
-      </p:pic>
-      <p:sp>
-        <p:nvSpPr>
-          <p:cNvPr id="9" name="Elipse 8">
-            <a:extLst>
-              <a:ext uri="{FF2B5EF4-FFF2-40B4-BE49-F238E27FC236}">
-                <a16:creationId xmlns:a16="http://schemas.microsoft.com/office/drawing/2014/main" id="{7F3D9414-B33B-4960-A87C-281AA99BB0E3}"/>
+      <p:sp>
+        <p:nvSpPr>
+          <p:cNvPr id="2" name="Retângulo: Cantos Arredondados 1">
+            <a:extLst>
+              <a:ext uri="{FF2B5EF4-FFF2-40B4-BE49-F238E27FC236}">
+                <a16:creationId xmlns:a16="http://schemas.microsoft.com/office/drawing/2014/main" id="{F81BD1AA-FB73-4DAC-A45C-4077D0509F1D}"/>
               </a:ext>
             </a:extLst>
           </p:cNvPr>
@@ -4896,10 +5061,10 @@
         </p:nvSpPr>
         <p:spPr>
           <a:xfrm>
-            <a:off x="9777047" y="-950306"/>
-            <a:ext cx="3981156" cy="3386796"/>
-          </a:xfrm>
-          <a:prstGeom prst="ellipse">
+            <a:off x="3396343" y="1526203"/>
+            <a:ext cx="5399314" cy="595086"/>
+          </a:xfrm>
+          <a:prstGeom prst="roundRect">
             <a:avLst/>
           </a:prstGeom>
           <a:solidFill>
@@ -4907,7 +5072,7 @@
           </a:solidFill>
           <a:ln>
             <a:solidFill>
-              <a:srgbClr val="D87501"/>
+              <a:schemeClr val="bg1"/>
             </a:solidFill>
           </a:ln>
         </p:spPr>
@@ -4932,16 +5097,59 @@
           <a:lstStyle/>
           <a:p>
             <a:pPr algn="ctr"/>
-            <a:endParaRPr lang="pt-BR"/>
-          </a:p>
-        </p:txBody>
-      </p:sp>
-      <p:sp>
-        <p:nvSpPr>
-          <p:cNvPr id="11" name="Elipse 10">
-            <a:extLst>
-              <a:ext uri="{FF2B5EF4-FFF2-40B4-BE49-F238E27FC236}">
-                <a16:creationId xmlns:a16="http://schemas.microsoft.com/office/drawing/2014/main" id="{1A8D25D6-DD78-42A1-A66B-ACC1A53277C8}"/>
+            <a:r>
+              <a:rPr lang="pt-BR" sz="2600" b="1" dirty="0">
+                <a:solidFill>
+                  <a:schemeClr val="bg1"/>
+                </a:solidFill>
+              </a:rPr>
+              <a:t>DIFICULDADES</a:t>
+            </a:r>
+          </a:p>
+        </p:txBody>
+      </p:sp>
+      <p:pic>
+        <p:nvPicPr>
+          <p:cNvPr id="3" name="Imagem 2" descr="Desenho de uma flor&#10;&#10;Descrição gerada automaticamente com confiança média">
+            <a:extLst>
+              <a:ext uri="{FF2B5EF4-FFF2-40B4-BE49-F238E27FC236}">
+                <a16:creationId xmlns:a16="http://schemas.microsoft.com/office/drawing/2014/main" id="{4327B45D-3CCC-4C7B-B137-EC5933E5106A}"/>
+              </a:ext>
+            </a:extLst>
+          </p:cNvPr>
+          <p:cNvPicPr>
+            <a:picLocks noChangeAspect="1"/>
+          </p:cNvPicPr>
+          <p:nvPr/>
+        </p:nvPicPr>
+        <p:blipFill>
+          <a:blip r:embed="rId2">
+            <a:extLst>
+              <a:ext uri="{28A0092B-C50C-407E-A947-70E740481C1C}">
+                <a14:useLocalDpi xmlns:a14="http://schemas.microsoft.com/office/drawing/2010/main" val="0"/>
+              </a:ext>
+            </a:extLst>
+          </a:blip>
+          <a:stretch>
+            <a:fillRect/>
+          </a:stretch>
+        </p:blipFill>
+        <p:spPr>
+          <a:xfrm>
+            <a:off x="154744" y="267285"/>
+            <a:ext cx="983019" cy="951615"/>
+          </a:xfrm>
+          <a:prstGeom prst="rect">
+            <a:avLst/>
+          </a:prstGeom>
+        </p:spPr>
+      </p:pic>
+      <p:sp>
+        <p:nvSpPr>
+          <p:cNvPr id="7" name="Retângulo: Cantos Arredondados 6">
+            <a:extLst>
+              <a:ext uri="{FF2B5EF4-FFF2-40B4-BE49-F238E27FC236}">
+                <a16:creationId xmlns:a16="http://schemas.microsoft.com/office/drawing/2014/main" id="{B34DE191-DF23-4929-B725-A634D137D213}"/>
               </a:ext>
             </a:extLst>
           </p:cNvPr>
@@ -4950,10 +5158,10 @@
         </p:nvSpPr>
         <p:spPr>
           <a:xfrm>
-            <a:off x="-1566203" y="4694286"/>
-            <a:ext cx="3981156" cy="3386796"/>
-          </a:xfrm>
-          <a:prstGeom prst="ellipse">
+            <a:off x="3396343" y="2752330"/>
+            <a:ext cx="5399314" cy="595086"/>
+          </a:xfrm>
+          <a:prstGeom prst="roundRect">
             <a:avLst/>
           </a:prstGeom>
           <a:solidFill>
@@ -4961,7 +5169,7 @@
           </a:solidFill>
           <a:ln>
             <a:solidFill>
-              <a:srgbClr val="D87501"/>
+              <a:schemeClr val="bg1"/>
             </a:solidFill>
           </a:ln>
         </p:spPr>
@@ -4986,61 +5194,82 @@
           <a:lstStyle/>
           <a:p>
             <a:pPr algn="ctr"/>
-            <a:endParaRPr lang="pt-BR"/>
-          </a:p>
-        </p:txBody>
-      </p:sp>
-      <p:pic>
-        <p:nvPicPr>
-          <p:cNvPr id="2050" name="Picture 2" descr="Pipefy | Endeavor Brasil">
-            <a:extLst>
-              <a:ext uri="{FF2B5EF4-FFF2-40B4-BE49-F238E27FC236}">
-                <a16:creationId xmlns:a16="http://schemas.microsoft.com/office/drawing/2014/main" id="{4C4A37C0-8108-47CE-A0B1-EFE98AB04A66}"/>
-              </a:ext>
-            </a:extLst>
-          </p:cNvPr>
-          <p:cNvPicPr>
-            <a:picLocks noChangeAspect="1" noChangeArrowheads="1"/>
-          </p:cNvPicPr>
+            <a:r>
+              <a:rPr lang="pt-BR" sz="2600" b="1" dirty="0">
+                <a:solidFill>
+                  <a:schemeClr val="bg1"/>
+                </a:solidFill>
+              </a:rPr>
+              <a:t>SUPERAÇÕES</a:t>
+            </a:r>
+          </a:p>
+        </p:txBody>
+      </p:sp>
+      <p:sp>
+        <p:nvSpPr>
+          <p:cNvPr id="8" name="Retângulo: Cantos Arredondados 7">
+            <a:extLst>
+              <a:ext uri="{FF2B5EF4-FFF2-40B4-BE49-F238E27FC236}">
+                <a16:creationId xmlns:a16="http://schemas.microsoft.com/office/drawing/2014/main" id="{7050A4E5-6057-42EF-9540-7AFF948C2164}"/>
+              </a:ext>
+            </a:extLst>
+          </p:cNvPr>
+          <p:cNvSpPr/>
           <p:nvPr/>
-        </p:nvPicPr>
-        <p:blipFill>
-          <a:blip r:embed="rId3">
-            <a:extLst>
-              <a:ext uri="{28A0092B-C50C-407E-A947-70E740481C1C}">
-                <a14:useLocalDpi xmlns:a14="http://schemas.microsoft.com/office/drawing/2010/main" val="0"/>
-              </a:ext>
-            </a:extLst>
-          </a:blip>
-          <a:srcRect/>
-          <a:stretch>
-            <a:fillRect/>
-          </a:stretch>
-        </p:blipFill>
-        <p:spPr bwMode="auto">
-          <a:xfrm>
-            <a:off x="2488289" y="2148114"/>
-            <a:ext cx="7288758" cy="2325461"/>
-          </a:xfrm>
-          <a:prstGeom prst="rect">
+        </p:nvSpPr>
+        <p:spPr>
+          <a:xfrm>
+            <a:off x="3396343" y="4064165"/>
+            <a:ext cx="5399314" cy="595086"/>
+          </a:xfrm>
+          <a:prstGeom prst="roundRect">
             <a:avLst/>
           </a:prstGeom>
-          <a:noFill/>
-          <a:extLst>
-            <a:ext uri="{909E8E84-426E-40DD-AFC4-6F175D3DCCD1}">
-              <a14:hiddenFill xmlns:a14="http://schemas.microsoft.com/office/drawing/2010/main">
+          <a:solidFill>
+            <a:srgbClr val="D87501"/>
+          </a:solidFill>
+          <a:ln>
+            <a:solidFill>
+              <a:schemeClr val="bg1"/>
+            </a:solidFill>
+          </a:ln>
+        </p:spPr>
+        <p:style>
+          <a:lnRef idx="2">
+            <a:schemeClr val="accent1">
+              <a:shade val="50000"/>
+            </a:schemeClr>
+          </a:lnRef>
+          <a:fillRef idx="1">
+            <a:schemeClr val="accent1"/>
+          </a:fillRef>
+          <a:effectRef idx="0">
+            <a:schemeClr val="accent1"/>
+          </a:effectRef>
+          <a:fontRef idx="minor">
+            <a:schemeClr val="lt1"/>
+          </a:fontRef>
+        </p:style>
+        <p:txBody>
+          <a:bodyPr rtlCol="0" anchor="ctr"/>
+          <a:lstStyle/>
+          <a:p>
+            <a:pPr algn="ctr"/>
+            <a:r>
+              <a:rPr lang="pt-BR" sz="2600" b="1" dirty="0">
                 <a:solidFill>
-                  <a:srgbClr val="FFFFFF"/>
+                  <a:schemeClr val="bg1"/>
                 </a:solidFill>
-              </a14:hiddenFill>
-            </a:ext>
-          </a:extLst>
-        </p:spPr>
-      </p:pic>
+              </a:rPr>
+              <a:t>AGRADECIMENTOS</a:t>
+            </a:r>
+          </a:p>
+        </p:txBody>
+      </p:sp>
     </p:spTree>
     <p:extLst>
       <p:ext uri="{BB962C8B-B14F-4D97-AF65-F5344CB8AC3E}">
-        <p14:creationId xmlns:p14="http://schemas.microsoft.com/office/powerpoint/2010/main" val="3800314399"/>
+        <p14:creationId xmlns:p14="http://schemas.microsoft.com/office/powerpoint/2010/main" val="3394106649"/>
       </p:ext>
     </p:extLst>
   </p:cSld>
@@ -5067,67 +5296,6 @@
           <a:chExt cx="0" cy="0"/>
         </a:xfrm>
       </p:grpSpPr>
-      <p:sp>
-        <p:nvSpPr>
-          <p:cNvPr id="2" name="Retângulo: Cantos Arredondados 1">
-            <a:extLst>
-              <a:ext uri="{FF2B5EF4-FFF2-40B4-BE49-F238E27FC236}">
-                <a16:creationId xmlns:a16="http://schemas.microsoft.com/office/drawing/2014/main" id="{F81BD1AA-FB73-4DAC-A45C-4077D0509F1D}"/>
-              </a:ext>
-            </a:extLst>
-          </p:cNvPr>
-          <p:cNvSpPr/>
-          <p:nvPr/>
-        </p:nvSpPr>
-        <p:spPr>
-          <a:xfrm>
-            <a:off x="3396343" y="445549"/>
-            <a:ext cx="5399314" cy="595086"/>
-          </a:xfrm>
-          <a:prstGeom prst="roundRect">
-            <a:avLst/>
-          </a:prstGeom>
-          <a:solidFill>
-            <a:srgbClr val="D87501"/>
-          </a:solidFill>
-          <a:ln>
-            <a:solidFill>
-              <a:schemeClr val="bg1"/>
-            </a:solidFill>
-          </a:ln>
-        </p:spPr>
-        <p:style>
-          <a:lnRef idx="2">
-            <a:schemeClr val="accent1">
-              <a:shade val="50000"/>
-            </a:schemeClr>
-          </a:lnRef>
-          <a:fillRef idx="1">
-            <a:schemeClr val="accent1"/>
-          </a:fillRef>
-          <a:effectRef idx="0">
-            <a:schemeClr val="accent1"/>
-          </a:effectRef>
-          <a:fontRef idx="minor">
-            <a:schemeClr val="lt1"/>
-          </a:fontRef>
-        </p:style>
-        <p:txBody>
-          <a:bodyPr rtlCol="0" anchor="ctr"/>
-          <a:lstStyle/>
-          <a:p>
-            <a:pPr algn="ctr"/>
-            <a:r>
-              <a:rPr lang="pt-BR" sz="2600" b="1" dirty="0">
-                <a:solidFill>
-                  <a:schemeClr val="bg1"/>
-                </a:solidFill>
-              </a:rPr>
-              <a:t>AGRADECIMENTOS</a:t>
-            </a:r>
-          </a:p>
-        </p:txBody>
-      </p:sp>
       <p:pic>
         <p:nvPicPr>
           <p:cNvPr id="3" name="Imagem 2" descr="Desenho de uma flor&#10;&#10;Descrição gerada automaticamente com confiança média">
@@ -5164,10 +5332,66 @@
           </a:prstGeom>
         </p:spPr>
       </p:pic>
+      <p:sp>
+        <p:nvSpPr>
+          <p:cNvPr id="4" name="CaixaDeTexto 3">
+            <a:extLst>
+              <a:ext uri="{FF2B5EF4-FFF2-40B4-BE49-F238E27FC236}">
+                <a16:creationId xmlns:a16="http://schemas.microsoft.com/office/drawing/2014/main" id="{83D300ED-7370-4FA8-8247-8775BFEECF7B}"/>
+              </a:ext>
+            </a:extLst>
+          </p:cNvPr>
+          <p:cNvSpPr txBox="1"/>
+          <p:nvPr/>
+        </p:nvSpPr>
+        <p:spPr>
+          <a:xfrm>
+            <a:off x="1663635" y="1713821"/>
+            <a:ext cx="8864729" cy="2923877"/>
+          </a:xfrm>
+          <a:prstGeom prst="rect">
+            <a:avLst/>
+          </a:prstGeom>
+          <a:noFill/>
+        </p:spPr>
+        <p:txBody>
+          <a:bodyPr wrap="square" rtlCol="0">
+            <a:spAutoFit/>
+          </a:bodyPr>
+          <a:lstStyle/>
+          <a:p>
+            <a:pPr algn="just"/>
+            <a:endParaRPr lang="pt-BR" sz="2200" dirty="0">
+              <a:solidFill>
+                <a:srgbClr val="D87501"/>
+              </a:solidFill>
+            </a:endParaRPr>
+          </a:p>
+          <a:p>
+            <a:pPr algn="just"/>
+            <a:endParaRPr lang="pt-BR" sz="2200" dirty="0">
+              <a:solidFill>
+                <a:srgbClr val="D87501"/>
+              </a:solidFill>
+            </a:endParaRPr>
+          </a:p>
+          <a:p>
+            <a:pPr algn="ctr"/>
+            <a:r>
+              <a:rPr lang="pt-BR" sz="7000" b="1" dirty="0">
+                <a:solidFill>
+                  <a:srgbClr val="D87501"/>
+                </a:solidFill>
+              </a:rPr>
+              <a:t>OBRIGADO PELA ATENÇÃO! </a:t>
+            </a:r>
+          </a:p>
+        </p:txBody>
+      </p:sp>
     </p:spTree>
     <p:extLst>
       <p:ext uri="{BB962C8B-B14F-4D97-AF65-F5344CB8AC3E}">
-        <p14:creationId xmlns:p14="http://schemas.microsoft.com/office/powerpoint/2010/main" val="3394106649"/>
+        <p14:creationId xmlns:p14="http://schemas.microsoft.com/office/powerpoint/2010/main" val="1013885698"/>
       </p:ext>
     </p:extLst>
   </p:cSld>
